--- a/ForProject.pptx
+++ b/ForProject.pptx
@@ -70,7 +70,7 @@
         <p:spPr>
           <a:xfrm>
             <a:off x="504000" y="301320"/>
-            <a:ext cx="9071640" cy="1261440"/>
+            <a:ext cx="9072000" cy="1261800"/>
           </a:xfrm>
           <a:prstGeom prst="rect">
             <a:avLst/>
@@ -99,7 +99,7 @@
         <p:spPr>
           <a:xfrm>
             <a:off x="504000" y="1768680"/>
-            <a:ext cx="9071640" cy="2090880"/>
+            <a:ext cx="9072000" cy="2090880"/>
           </a:xfrm>
           <a:prstGeom prst="rect">
             <a:avLst/>
@@ -129,7 +129,7 @@
         <p:spPr>
           <a:xfrm>
             <a:off x="504000" y="4058640"/>
-            <a:ext cx="9071640" cy="2090880"/>
+            <a:ext cx="9072000" cy="2090880"/>
           </a:xfrm>
           <a:prstGeom prst="rect">
             <a:avLst/>
@@ -181,7 +181,7 @@
         <p:spPr>
           <a:xfrm>
             <a:off x="504000" y="301320"/>
-            <a:ext cx="9071640" cy="1261440"/>
+            <a:ext cx="9072000" cy="1261800"/>
           </a:xfrm>
           <a:prstGeom prst="rect">
             <a:avLst/>
@@ -352,7 +352,7 @@
         <p:spPr>
           <a:xfrm>
             <a:off x="504000" y="301320"/>
-            <a:ext cx="9071640" cy="1261440"/>
+            <a:ext cx="9072000" cy="1261800"/>
           </a:xfrm>
           <a:prstGeom prst="rect">
             <a:avLst/>
@@ -381,7 +381,7 @@
         <p:spPr>
           <a:xfrm>
             <a:off x="504000" y="1768680"/>
-            <a:ext cx="2920680" cy="2090880"/>
+            <a:ext cx="2921040" cy="2090880"/>
           </a:xfrm>
           <a:prstGeom prst="rect">
             <a:avLst/>
@@ -410,8 +410,8 @@
         </p:nvSpPr>
         <p:spPr>
           <a:xfrm>
-            <a:off x="3571200" y="1768680"/>
-            <a:ext cx="2920680" cy="2090880"/>
+            <a:off x="3571560" y="1768680"/>
+            <a:ext cx="2921040" cy="2090880"/>
           </a:xfrm>
           <a:prstGeom prst="rect">
             <a:avLst/>
@@ -440,8 +440,8 @@
         </p:nvSpPr>
         <p:spPr>
           <a:xfrm>
-            <a:off x="6638040" y="1768680"/>
-            <a:ext cx="2920680" cy="2090880"/>
+            <a:off x="6639120" y="1768680"/>
+            <a:ext cx="2921040" cy="2090880"/>
           </a:xfrm>
           <a:prstGeom prst="rect">
             <a:avLst/>
@@ -471,7 +471,7 @@
         <p:spPr>
           <a:xfrm>
             <a:off x="504000" y="4058640"/>
-            <a:ext cx="2920680" cy="2090880"/>
+            <a:ext cx="2921040" cy="2090880"/>
           </a:xfrm>
           <a:prstGeom prst="rect">
             <a:avLst/>
@@ -500,8 +500,8 @@
         </p:nvSpPr>
         <p:spPr>
           <a:xfrm>
-            <a:off x="3571200" y="4058640"/>
-            <a:ext cx="2920680" cy="2090880"/>
+            <a:off x="3571560" y="4058640"/>
+            <a:ext cx="2921040" cy="2090880"/>
           </a:xfrm>
           <a:prstGeom prst="rect">
             <a:avLst/>
@@ -530,8 +530,8 @@
         </p:nvSpPr>
         <p:spPr>
           <a:xfrm>
-            <a:off x="6638040" y="4058640"/>
-            <a:ext cx="2920680" cy="2090880"/>
+            <a:off x="6639120" y="4058640"/>
+            <a:ext cx="2921040" cy="2090880"/>
           </a:xfrm>
           <a:prstGeom prst="rect">
             <a:avLst/>
@@ -605,7 +605,7 @@
         <p:spPr>
           <a:xfrm>
             <a:off x="504000" y="301320"/>
-            <a:ext cx="9071640" cy="1261440"/>
+            <a:ext cx="9072000" cy="1261800"/>
           </a:xfrm>
           <a:prstGeom prst="rect">
             <a:avLst/>
@@ -634,7 +634,7 @@
         <p:spPr>
           <a:xfrm>
             <a:off x="504000" y="1768680"/>
-            <a:ext cx="9071640" cy="4383720"/>
+            <a:ext cx="9072000" cy="4384080"/>
           </a:xfrm>
           <a:prstGeom prst="rect">
             <a:avLst/>
@@ -685,7 +685,7 @@
         <p:spPr>
           <a:xfrm>
             <a:off x="504000" y="301320"/>
-            <a:ext cx="9071640" cy="1261440"/>
+            <a:ext cx="9072000" cy="1261800"/>
           </a:xfrm>
           <a:prstGeom prst="rect">
             <a:avLst/>
@@ -714,7 +714,7 @@
         <p:spPr>
           <a:xfrm>
             <a:off x="504000" y="1768680"/>
-            <a:ext cx="9071640" cy="4383720"/>
+            <a:ext cx="9072000" cy="4384080"/>
           </a:xfrm>
           <a:prstGeom prst="rect">
             <a:avLst/>
@@ -766,7 +766,7 @@
         <p:spPr>
           <a:xfrm>
             <a:off x="504000" y="301320"/>
-            <a:ext cx="9071640" cy="1261440"/>
+            <a:ext cx="9072000" cy="1261800"/>
           </a:xfrm>
           <a:prstGeom prst="rect">
             <a:avLst/>
@@ -795,7 +795,7 @@
         <p:spPr>
           <a:xfrm>
             <a:off x="504000" y="1768680"/>
-            <a:ext cx="4426920" cy="4383720"/>
+            <a:ext cx="4426920" cy="4384080"/>
           </a:xfrm>
           <a:prstGeom prst="rect">
             <a:avLst/>
@@ -825,7 +825,7 @@
         <p:spPr>
           <a:xfrm>
             <a:off x="5152680" y="1768680"/>
-            <a:ext cx="4426920" cy="4383720"/>
+            <a:ext cx="4426920" cy="4384080"/>
           </a:xfrm>
           <a:prstGeom prst="rect">
             <a:avLst/>
@@ -877,7 +877,7 @@
         <p:spPr>
           <a:xfrm>
             <a:off x="504000" y="301320"/>
-            <a:ext cx="9071640" cy="1261440"/>
+            <a:ext cx="9072000" cy="1261800"/>
           </a:xfrm>
           <a:prstGeom prst="rect">
             <a:avLst/>
@@ -928,7 +928,7 @@
         <p:spPr>
           <a:xfrm>
             <a:off x="504000" y="301320"/>
-            <a:ext cx="9071640" cy="5848560"/>
+            <a:ext cx="9072000" cy="5850360"/>
           </a:xfrm>
           <a:prstGeom prst="rect">
             <a:avLst/>
@@ -979,7 +979,7 @@
         <p:spPr>
           <a:xfrm>
             <a:off x="504000" y="301320"/>
-            <a:ext cx="9071640" cy="1261440"/>
+            <a:ext cx="9072000" cy="1261800"/>
           </a:xfrm>
           <a:prstGeom prst="rect">
             <a:avLst/>
@@ -1038,7 +1038,7 @@
         <p:spPr>
           <a:xfrm>
             <a:off x="5152680" y="1768680"/>
-            <a:ext cx="4426920" cy="4383720"/>
+            <a:ext cx="4426920" cy="4384080"/>
           </a:xfrm>
           <a:prstGeom prst="rect">
             <a:avLst/>
@@ -1120,7 +1120,7 @@
         <p:spPr>
           <a:xfrm>
             <a:off x="504000" y="301320"/>
-            <a:ext cx="9071640" cy="1261440"/>
+            <a:ext cx="9072000" cy="1261800"/>
           </a:xfrm>
           <a:prstGeom prst="rect">
             <a:avLst/>
@@ -1149,7 +1149,7 @@
         <p:spPr>
           <a:xfrm>
             <a:off x="504000" y="1768680"/>
-            <a:ext cx="9071640" cy="4383720"/>
+            <a:ext cx="9072000" cy="4384080"/>
           </a:xfrm>
           <a:prstGeom prst="rect">
             <a:avLst/>
@@ -1200,7 +1200,7 @@
         <p:spPr>
           <a:xfrm>
             <a:off x="504000" y="301320"/>
-            <a:ext cx="9071640" cy="1261440"/>
+            <a:ext cx="9072000" cy="1261800"/>
           </a:xfrm>
           <a:prstGeom prst="rect">
             <a:avLst/>
@@ -1229,7 +1229,7 @@
         <p:spPr>
           <a:xfrm>
             <a:off x="504000" y="1768680"/>
-            <a:ext cx="4426920" cy="4383720"/>
+            <a:ext cx="4426920" cy="4384080"/>
           </a:xfrm>
           <a:prstGeom prst="rect">
             <a:avLst/>
@@ -1341,7 +1341,7 @@
         <p:spPr>
           <a:xfrm>
             <a:off x="504000" y="301320"/>
-            <a:ext cx="9071640" cy="1261440"/>
+            <a:ext cx="9072000" cy="1261800"/>
           </a:xfrm>
           <a:prstGeom prst="rect">
             <a:avLst/>
@@ -1430,7 +1430,7 @@
         <p:spPr>
           <a:xfrm>
             <a:off x="504000" y="4058640"/>
-            <a:ext cx="9071640" cy="2090880"/>
+            <a:ext cx="9072000" cy="2090880"/>
           </a:xfrm>
           <a:prstGeom prst="rect">
             <a:avLst/>
@@ -1482,7 +1482,7 @@
         <p:spPr>
           <a:xfrm>
             <a:off x="504000" y="301320"/>
-            <a:ext cx="9071640" cy="1261440"/>
+            <a:ext cx="9072000" cy="1261800"/>
           </a:xfrm>
           <a:prstGeom prst="rect">
             <a:avLst/>
@@ -1511,7 +1511,7 @@
         <p:spPr>
           <a:xfrm>
             <a:off x="504000" y="1768680"/>
-            <a:ext cx="9071640" cy="2090880"/>
+            <a:ext cx="9072000" cy="2090880"/>
           </a:xfrm>
           <a:prstGeom prst="rect">
             <a:avLst/>
@@ -1541,7 +1541,7 @@
         <p:spPr>
           <a:xfrm>
             <a:off x="504000" y="4058640"/>
-            <a:ext cx="9071640" cy="2090880"/>
+            <a:ext cx="9072000" cy="2090880"/>
           </a:xfrm>
           <a:prstGeom prst="rect">
             <a:avLst/>
@@ -1593,7 +1593,7 @@
         <p:spPr>
           <a:xfrm>
             <a:off x="504000" y="301320"/>
-            <a:ext cx="9071640" cy="1261440"/>
+            <a:ext cx="9072000" cy="1261800"/>
           </a:xfrm>
           <a:prstGeom prst="rect">
             <a:avLst/>
@@ -1764,7 +1764,7 @@
         <p:spPr>
           <a:xfrm>
             <a:off x="504000" y="301320"/>
-            <a:ext cx="9071640" cy="1261440"/>
+            <a:ext cx="9072000" cy="1261800"/>
           </a:xfrm>
           <a:prstGeom prst="rect">
             <a:avLst/>
@@ -1793,7 +1793,7 @@
         <p:spPr>
           <a:xfrm>
             <a:off x="504000" y="1768680"/>
-            <a:ext cx="2920680" cy="2090880"/>
+            <a:ext cx="2921040" cy="2090880"/>
           </a:xfrm>
           <a:prstGeom prst="rect">
             <a:avLst/>
@@ -1822,8 +1822,8 @@
         </p:nvSpPr>
         <p:spPr>
           <a:xfrm>
-            <a:off x="3571200" y="1768680"/>
-            <a:ext cx="2920680" cy="2090880"/>
+            <a:off x="3571560" y="1768680"/>
+            <a:ext cx="2921040" cy="2090880"/>
           </a:xfrm>
           <a:prstGeom prst="rect">
             <a:avLst/>
@@ -1852,8 +1852,8 @@
         </p:nvSpPr>
         <p:spPr>
           <a:xfrm>
-            <a:off x="6638040" y="1768680"/>
-            <a:ext cx="2920680" cy="2090880"/>
+            <a:off x="6639120" y="1768680"/>
+            <a:ext cx="2921040" cy="2090880"/>
           </a:xfrm>
           <a:prstGeom prst="rect">
             <a:avLst/>
@@ -1883,7 +1883,7 @@
         <p:spPr>
           <a:xfrm>
             <a:off x="504000" y="4058640"/>
-            <a:ext cx="2920680" cy="2090880"/>
+            <a:ext cx="2921040" cy="2090880"/>
           </a:xfrm>
           <a:prstGeom prst="rect">
             <a:avLst/>
@@ -1912,8 +1912,8 @@
         </p:nvSpPr>
         <p:spPr>
           <a:xfrm>
-            <a:off x="3571200" y="4058640"/>
-            <a:ext cx="2920680" cy="2090880"/>
+            <a:off x="3571560" y="4058640"/>
+            <a:ext cx="2921040" cy="2090880"/>
           </a:xfrm>
           <a:prstGeom prst="rect">
             <a:avLst/>
@@ -1942,8 +1942,8 @@
         </p:nvSpPr>
         <p:spPr>
           <a:xfrm>
-            <a:off x="6638040" y="4058640"/>
-            <a:ext cx="2920680" cy="2090880"/>
+            <a:off x="6639120" y="4058640"/>
+            <a:ext cx="2921040" cy="2090880"/>
           </a:xfrm>
           <a:prstGeom prst="rect">
             <a:avLst/>
@@ -2017,7 +2017,7 @@
         <p:spPr>
           <a:xfrm>
             <a:off x="504000" y="301320"/>
-            <a:ext cx="9071640" cy="1261440"/>
+            <a:ext cx="9072000" cy="1261800"/>
           </a:xfrm>
           <a:prstGeom prst="rect">
             <a:avLst/>
@@ -2046,7 +2046,7 @@
         <p:spPr>
           <a:xfrm>
             <a:off x="504000" y="1768680"/>
-            <a:ext cx="9071640" cy="4383720"/>
+            <a:ext cx="9072000" cy="4384080"/>
           </a:xfrm>
           <a:prstGeom prst="rect">
             <a:avLst/>
@@ -2097,7 +2097,7 @@
         <p:spPr>
           <a:xfrm>
             <a:off x="504000" y="301320"/>
-            <a:ext cx="9071640" cy="1261440"/>
+            <a:ext cx="9072000" cy="1261800"/>
           </a:xfrm>
           <a:prstGeom prst="rect">
             <a:avLst/>
@@ -2126,7 +2126,7 @@
         <p:spPr>
           <a:xfrm>
             <a:off x="504000" y="1768680"/>
-            <a:ext cx="9071640" cy="4383720"/>
+            <a:ext cx="9072000" cy="4384080"/>
           </a:xfrm>
           <a:prstGeom prst="rect">
             <a:avLst/>
@@ -2178,7 +2178,7 @@
         <p:spPr>
           <a:xfrm>
             <a:off x="504000" y="301320"/>
-            <a:ext cx="9071640" cy="1261440"/>
+            <a:ext cx="9072000" cy="1261800"/>
           </a:xfrm>
           <a:prstGeom prst="rect">
             <a:avLst/>
@@ -2207,7 +2207,7 @@
         <p:spPr>
           <a:xfrm>
             <a:off x="504000" y="1768680"/>
-            <a:ext cx="4426920" cy="4383720"/>
+            <a:ext cx="4426920" cy="4384080"/>
           </a:xfrm>
           <a:prstGeom prst="rect">
             <a:avLst/>
@@ -2237,7 +2237,7 @@
         <p:spPr>
           <a:xfrm>
             <a:off x="5152680" y="1768680"/>
-            <a:ext cx="4426920" cy="4383720"/>
+            <a:ext cx="4426920" cy="4384080"/>
           </a:xfrm>
           <a:prstGeom prst="rect">
             <a:avLst/>
@@ -2289,7 +2289,7 @@
         <p:spPr>
           <a:xfrm>
             <a:off x="504000" y="301320"/>
-            <a:ext cx="9071640" cy="1261440"/>
+            <a:ext cx="9072000" cy="1261800"/>
           </a:xfrm>
           <a:prstGeom prst="rect">
             <a:avLst/>
@@ -2340,7 +2340,7 @@
         <p:spPr>
           <a:xfrm>
             <a:off x="504000" y="301320"/>
-            <a:ext cx="9071640" cy="1261440"/>
+            <a:ext cx="9072000" cy="1261800"/>
           </a:xfrm>
           <a:prstGeom prst="rect">
             <a:avLst/>
@@ -2369,7 +2369,7 @@
         <p:spPr>
           <a:xfrm>
             <a:off x="504000" y="1768680"/>
-            <a:ext cx="9071640" cy="4383720"/>
+            <a:ext cx="9072000" cy="4384080"/>
           </a:xfrm>
           <a:prstGeom prst="rect">
             <a:avLst/>
@@ -2421,7 +2421,7 @@
         <p:spPr>
           <a:xfrm>
             <a:off x="504000" y="301320"/>
-            <a:ext cx="9071640" cy="5848560"/>
+            <a:ext cx="9072000" cy="5850360"/>
           </a:xfrm>
           <a:prstGeom prst="rect">
             <a:avLst/>
@@ -2472,7 +2472,7 @@
         <p:spPr>
           <a:xfrm>
             <a:off x="504000" y="301320"/>
-            <a:ext cx="9071640" cy="1261440"/>
+            <a:ext cx="9072000" cy="1261800"/>
           </a:xfrm>
           <a:prstGeom prst="rect">
             <a:avLst/>
@@ -2531,7 +2531,7 @@
         <p:spPr>
           <a:xfrm>
             <a:off x="5152680" y="1768680"/>
-            <a:ext cx="4426920" cy="4383720"/>
+            <a:ext cx="4426920" cy="4384080"/>
           </a:xfrm>
           <a:prstGeom prst="rect">
             <a:avLst/>
@@ -2613,7 +2613,7 @@
         <p:spPr>
           <a:xfrm>
             <a:off x="504000" y="301320"/>
-            <a:ext cx="9071640" cy="1261440"/>
+            <a:ext cx="9072000" cy="1261800"/>
           </a:xfrm>
           <a:prstGeom prst="rect">
             <a:avLst/>
@@ -2642,7 +2642,7 @@
         <p:spPr>
           <a:xfrm>
             <a:off x="504000" y="1768680"/>
-            <a:ext cx="4426920" cy="4383720"/>
+            <a:ext cx="4426920" cy="4384080"/>
           </a:xfrm>
           <a:prstGeom prst="rect">
             <a:avLst/>
@@ -2754,7 +2754,7 @@
         <p:spPr>
           <a:xfrm>
             <a:off x="504000" y="301320"/>
-            <a:ext cx="9071640" cy="1261440"/>
+            <a:ext cx="9072000" cy="1261800"/>
           </a:xfrm>
           <a:prstGeom prst="rect">
             <a:avLst/>
@@ -2843,7 +2843,7 @@
         <p:spPr>
           <a:xfrm>
             <a:off x="504000" y="4058640"/>
-            <a:ext cx="9071640" cy="2090880"/>
+            <a:ext cx="9072000" cy="2090880"/>
           </a:xfrm>
           <a:prstGeom prst="rect">
             <a:avLst/>
@@ -2895,7 +2895,7 @@
         <p:spPr>
           <a:xfrm>
             <a:off x="504000" y="301320"/>
-            <a:ext cx="9071640" cy="1261440"/>
+            <a:ext cx="9072000" cy="1261800"/>
           </a:xfrm>
           <a:prstGeom prst="rect">
             <a:avLst/>
@@ -2924,7 +2924,7 @@
         <p:spPr>
           <a:xfrm>
             <a:off x="504000" y="1768680"/>
-            <a:ext cx="9071640" cy="2090880"/>
+            <a:ext cx="9072000" cy="2090880"/>
           </a:xfrm>
           <a:prstGeom prst="rect">
             <a:avLst/>
@@ -2954,7 +2954,7 @@
         <p:spPr>
           <a:xfrm>
             <a:off x="504000" y="4058640"/>
-            <a:ext cx="9071640" cy="2090880"/>
+            <a:ext cx="9072000" cy="2090880"/>
           </a:xfrm>
           <a:prstGeom prst="rect">
             <a:avLst/>
@@ -3006,7 +3006,7 @@
         <p:spPr>
           <a:xfrm>
             <a:off x="504000" y="301320"/>
-            <a:ext cx="9071640" cy="1261440"/>
+            <a:ext cx="9072000" cy="1261800"/>
           </a:xfrm>
           <a:prstGeom prst="rect">
             <a:avLst/>
@@ -3177,7 +3177,7 @@
         <p:spPr>
           <a:xfrm>
             <a:off x="504000" y="301320"/>
-            <a:ext cx="9071640" cy="1261440"/>
+            <a:ext cx="9072000" cy="1261800"/>
           </a:xfrm>
           <a:prstGeom prst="rect">
             <a:avLst/>
@@ -3206,7 +3206,7 @@
         <p:spPr>
           <a:xfrm>
             <a:off x="504000" y="1768680"/>
-            <a:ext cx="2920680" cy="2090880"/>
+            <a:ext cx="2921040" cy="2090880"/>
           </a:xfrm>
           <a:prstGeom prst="rect">
             <a:avLst/>
@@ -3235,8 +3235,8 @@
         </p:nvSpPr>
         <p:spPr>
           <a:xfrm>
-            <a:off x="3571200" y="1768680"/>
-            <a:ext cx="2920680" cy="2090880"/>
+            <a:off x="3571560" y="1768680"/>
+            <a:ext cx="2921040" cy="2090880"/>
           </a:xfrm>
           <a:prstGeom prst="rect">
             <a:avLst/>
@@ -3265,8 +3265,8 @@
         </p:nvSpPr>
         <p:spPr>
           <a:xfrm>
-            <a:off x="6638040" y="1768680"/>
-            <a:ext cx="2920680" cy="2090880"/>
+            <a:off x="6639120" y="1768680"/>
+            <a:ext cx="2921040" cy="2090880"/>
           </a:xfrm>
           <a:prstGeom prst="rect">
             <a:avLst/>
@@ -3296,7 +3296,7 @@
         <p:spPr>
           <a:xfrm>
             <a:off x="504000" y="4058640"/>
-            <a:ext cx="2920680" cy="2090880"/>
+            <a:ext cx="2921040" cy="2090880"/>
           </a:xfrm>
           <a:prstGeom prst="rect">
             <a:avLst/>
@@ -3325,8 +3325,8 @@
         </p:nvSpPr>
         <p:spPr>
           <a:xfrm>
-            <a:off x="3571200" y="4058640"/>
-            <a:ext cx="2920680" cy="2090880"/>
+            <a:off x="3571560" y="4058640"/>
+            <a:ext cx="2921040" cy="2090880"/>
           </a:xfrm>
           <a:prstGeom prst="rect">
             <a:avLst/>
@@ -3355,8 +3355,8 @@
         </p:nvSpPr>
         <p:spPr>
           <a:xfrm>
-            <a:off x="6638040" y="4058640"/>
-            <a:ext cx="2920680" cy="2090880"/>
+            <a:off x="6639120" y="4058640"/>
+            <a:ext cx="2921040" cy="2090880"/>
           </a:xfrm>
           <a:prstGeom prst="rect">
             <a:avLst/>
@@ -3430,7 +3430,7 @@
         <p:spPr>
           <a:xfrm>
             <a:off x="504000" y="301320"/>
-            <a:ext cx="9071640" cy="1261440"/>
+            <a:ext cx="9072000" cy="1261800"/>
           </a:xfrm>
           <a:prstGeom prst="rect">
             <a:avLst/>
@@ -3459,7 +3459,7 @@
         <p:spPr>
           <a:xfrm>
             <a:off x="504000" y="1768680"/>
-            <a:ext cx="9071640" cy="4383720"/>
+            <a:ext cx="9072000" cy="4384080"/>
           </a:xfrm>
           <a:prstGeom prst="rect">
             <a:avLst/>
@@ -3510,7 +3510,7 @@
         <p:spPr>
           <a:xfrm>
             <a:off x="504000" y="301320"/>
-            <a:ext cx="9071640" cy="1261440"/>
+            <a:ext cx="9072000" cy="1261800"/>
           </a:xfrm>
           <a:prstGeom prst="rect">
             <a:avLst/>
@@ -3539,7 +3539,7 @@
         <p:spPr>
           <a:xfrm>
             <a:off x="504000" y="1768680"/>
-            <a:ext cx="9071640" cy="4383720"/>
+            <a:ext cx="9072000" cy="4384080"/>
           </a:xfrm>
           <a:prstGeom prst="rect">
             <a:avLst/>
@@ -3591,7 +3591,7 @@
         <p:spPr>
           <a:xfrm>
             <a:off x="504000" y="301320"/>
-            <a:ext cx="9071640" cy="1261440"/>
+            <a:ext cx="9072000" cy="1261800"/>
           </a:xfrm>
           <a:prstGeom prst="rect">
             <a:avLst/>
@@ -3620,7 +3620,7 @@
         <p:spPr>
           <a:xfrm>
             <a:off x="504000" y="1768680"/>
-            <a:ext cx="4426920" cy="4383720"/>
+            <a:ext cx="4426920" cy="4384080"/>
           </a:xfrm>
           <a:prstGeom prst="rect">
             <a:avLst/>
@@ -3650,7 +3650,7 @@
         <p:spPr>
           <a:xfrm>
             <a:off x="5152680" y="1768680"/>
-            <a:ext cx="4426920" cy="4383720"/>
+            <a:ext cx="4426920" cy="4384080"/>
           </a:xfrm>
           <a:prstGeom prst="rect">
             <a:avLst/>
@@ -3702,7 +3702,7 @@
         <p:spPr>
           <a:xfrm>
             <a:off x="504000" y="301320"/>
-            <a:ext cx="9071640" cy="1261440"/>
+            <a:ext cx="9072000" cy="1261800"/>
           </a:xfrm>
           <a:prstGeom prst="rect">
             <a:avLst/>
@@ -3731,7 +3731,7 @@
         <p:spPr>
           <a:xfrm>
             <a:off x="504000" y="1768680"/>
-            <a:ext cx="4426920" cy="4383720"/>
+            <a:ext cx="4426920" cy="4384080"/>
           </a:xfrm>
           <a:prstGeom prst="rect">
             <a:avLst/>
@@ -3761,7 +3761,7 @@
         <p:spPr>
           <a:xfrm>
             <a:off x="5152680" y="1768680"/>
-            <a:ext cx="4426920" cy="4383720"/>
+            <a:ext cx="4426920" cy="4384080"/>
           </a:xfrm>
           <a:prstGeom prst="rect">
             <a:avLst/>
@@ -3813,7 +3813,7 @@
         <p:spPr>
           <a:xfrm>
             <a:off x="504000" y="301320"/>
-            <a:ext cx="9071640" cy="1261440"/>
+            <a:ext cx="9072000" cy="1261800"/>
           </a:xfrm>
           <a:prstGeom prst="rect">
             <a:avLst/>
@@ -3864,7 +3864,7 @@
         <p:spPr>
           <a:xfrm>
             <a:off x="504000" y="301320"/>
-            <a:ext cx="9071640" cy="5848560"/>
+            <a:ext cx="9072000" cy="5850360"/>
           </a:xfrm>
           <a:prstGeom prst="rect">
             <a:avLst/>
@@ -3915,7 +3915,7 @@
         <p:spPr>
           <a:xfrm>
             <a:off x="504000" y="301320"/>
-            <a:ext cx="9071640" cy="1261440"/>
+            <a:ext cx="9072000" cy="1261800"/>
           </a:xfrm>
           <a:prstGeom prst="rect">
             <a:avLst/>
@@ -3974,7 +3974,7 @@
         <p:spPr>
           <a:xfrm>
             <a:off x="5152680" y="1768680"/>
-            <a:ext cx="4426920" cy="4383720"/>
+            <a:ext cx="4426920" cy="4384080"/>
           </a:xfrm>
           <a:prstGeom prst="rect">
             <a:avLst/>
@@ -4056,7 +4056,7 @@
         <p:spPr>
           <a:xfrm>
             <a:off x="504000" y="301320"/>
-            <a:ext cx="9071640" cy="1261440"/>
+            <a:ext cx="9072000" cy="1261800"/>
           </a:xfrm>
           <a:prstGeom prst="rect">
             <a:avLst/>
@@ -4085,7 +4085,7 @@
         <p:spPr>
           <a:xfrm>
             <a:off x="504000" y="1768680"/>
-            <a:ext cx="4426920" cy="4383720"/>
+            <a:ext cx="4426920" cy="4384080"/>
           </a:xfrm>
           <a:prstGeom prst="rect">
             <a:avLst/>
@@ -4197,7 +4197,7 @@
         <p:spPr>
           <a:xfrm>
             <a:off x="504000" y="301320"/>
-            <a:ext cx="9071640" cy="1261440"/>
+            <a:ext cx="9072000" cy="1261800"/>
           </a:xfrm>
           <a:prstGeom prst="rect">
             <a:avLst/>
@@ -4286,7 +4286,7 @@
         <p:spPr>
           <a:xfrm>
             <a:off x="504000" y="4058640"/>
-            <a:ext cx="9071640" cy="2090880"/>
+            <a:ext cx="9072000" cy="2090880"/>
           </a:xfrm>
           <a:prstGeom prst="rect">
             <a:avLst/>
@@ -4338,7 +4338,7 @@
         <p:spPr>
           <a:xfrm>
             <a:off x="504000" y="301320"/>
-            <a:ext cx="9071640" cy="1261440"/>
+            <a:ext cx="9072000" cy="1261800"/>
           </a:xfrm>
           <a:prstGeom prst="rect">
             <a:avLst/>
@@ -4367,7 +4367,7 @@
         <p:spPr>
           <a:xfrm>
             <a:off x="504000" y="1768680"/>
-            <a:ext cx="9071640" cy="2090880"/>
+            <a:ext cx="9072000" cy="2090880"/>
           </a:xfrm>
           <a:prstGeom prst="rect">
             <a:avLst/>
@@ -4397,7 +4397,7 @@
         <p:spPr>
           <a:xfrm>
             <a:off x="504000" y="4058640"/>
-            <a:ext cx="9071640" cy="2090880"/>
+            <a:ext cx="9072000" cy="2090880"/>
           </a:xfrm>
           <a:prstGeom prst="rect">
             <a:avLst/>
@@ -4449,7 +4449,7 @@
         <p:spPr>
           <a:xfrm>
             <a:off x="504000" y="301320"/>
-            <a:ext cx="9071640" cy="1261440"/>
+            <a:ext cx="9072000" cy="1261800"/>
           </a:xfrm>
           <a:prstGeom prst="rect">
             <a:avLst/>
@@ -4620,7 +4620,7 @@
         <p:spPr>
           <a:xfrm>
             <a:off x="504000" y="301320"/>
-            <a:ext cx="9071640" cy="1261440"/>
+            <a:ext cx="9072000" cy="1261800"/>
           </a:xfrm>
           <a:prstGeom prst="rect">
             <a:avLst/>
@@ -4649,7 +4649,7 @@
         <p:spPr>
           <a:xfrm>
             <a:off x="504000" y="1768680"/>
-            <a:ext cx="2920680" cy="2090880"/>
+            <a:ext cx="2921040" cy="2090880"/>
           </a:xfrm>
           <a:prstGeom prst="rect">
             <a:avLst/>
@@ -4678,8 +4678,8 @@
         </p:nvSpPr>
         <p:spPr>
           <a:xfrm>
-            <a:off x="3571200" y="1768680"/>
-            <a:ext cx="2920680" cy="2090880"/>
+            <a:off x="3571560" y="1768680"/>
+            <a:ext cx="2921040" cy="2090880"/>
           </a:xfrm>
           <a:prstGeom prst="rect">
             <a:avLst/>
@@ -4708,8 +4708,8 @@
         </p:nvSpPr>
         <p:spPr>
           <a:xfrm>
-            <a:off x="6638040" y="1768680"/>
-            <a:ext cx="2920680" cy="2090880"/>
+            <a:off x="6639120" y="1768680"/>
+            <a:ext cx="2921040" cy="2090880"/>
           </a:xfrm>
           <a:prstGeom prst="rect">
             <a:avLst/>
@@ -4739,7 +4739,7 @@
         <p:spPr>
           <a:xfrm>
             <a:off x="504000" y="4058640"/>
-            <a:ext cx="2920680" cy="2090880"/>
+            <a:ext cx="2921040" cy="2090880"/>
           </a:xfrm>
           <a:prstGeom prst="rect">
             <a:avLst/>
@@ -4768,8 +4768,8 @@
         </p:nvSpPr>
         <p:spPr>
           <a:xfrm>
-            <a:off x="3571200" y="4058640"/>
-            <a:ext cx="2920680" cy="2090880"/>
+            <a:off x="3571560" y="4058640"/>
+            <a:ext cx="2921040" cy="2090880"/>
           </a:xfrm>
           <a:prstGeom prst="rect">
             <a:avLst/>
@@ -4798,8 +4798,8 @@
         </p:nvSpPr>
         <p:spPr>
           <a:xfrm>
-            <a:off x="6638040" y="4058640"/>
-            <a:ext cx="2920680" cy="2090880"/>
+            <a:off x="6639120" y="4058640"/>
+            <a:ext cx="2921040" cy="2090880"/>
           </a:xfrm>
           <a:prstGeom prst="rect">
             <a:avLst/>
@@ -4851,7 +4851,7 @@
         <p:spPr>
           <a:xfrm>
             <a:off x="504000" y="301320"/>
-            <a:ext cx="9071640" cy="1261440"/>
+            <a:ext cx="9072000" cy="1261800"/>
           </a:xfrm>
           <a:prstGeom prst="rect">
             <a:avLst/>
@@ -4902,7 +4902,7 @@
         <p:spPr>
           <a:xfrm>
             <a:off x="504000" y="301320"/>
-            <a:ext cx="9071640" cy="5848560"/>
+            <a:ext cx="9072000" cy="5850360"/>
           </a:xfrm>
           <a:prstGeom prst="rect">
             <a:avLst/>
@@ -4953,7 +4953,7 @@
         <p:spPr>
           <a:xfrm>
             <a:off x="504000" y="301320"/>
-            <a:ext cx="9071640" cy="1261440"/>
+            <a:ext cx="9072000" cy="1261800"/>
           </a:xfrm>
           <a:prstGeom prst="rect">
             <a:avLst/>
@@ -5012,7 +5012,7 @@
         <p:spPr>
           <a:xfrm>
             <a:off x="5152680" y="1768680"/>
-            <a:ext cx="4426920" cy="4383720"/>
+            <a:ext cx="4426920" cy="4384080"/>
           </a:xfrm>
           <a:prstGeom prst="rect">
             <a:avLst/>
@@ -5094,7 +5094,7 @@
         <p:spPr>
           <a:xfrm>
             <a:off x="504000" y="301320"/>
-            <a:ext cx="9071640" cy="1261440"/>
+            <a:ext cx="9072000" cy="1261800"/>
           </a:xfrm>
           <a:prstGeom prst="rect">
             <a:avLst/>
@@ -5123,7 +5123,7 @@
         <p:spPr>
           <a:xfrm>
             <a:off x="504000" y="1768680"/>
-            <a:ext cx="4426920" cy="4383720"/>
+            <a:ext cx="4426920" cy="4384080"/>
           </a:xfrm>
           <a:prstGeom prst="rect">
             <a:avLst/>
@@ -5235,7 +5235,7 @@
         <p:spPr>
           <a:xfrm>
             <a:off x="504000" y="301320"/>
-            <a:ext cx="9071640" cy="1261440"/>
+            <a:ext cx="9072000" cy="1261800"/>
           </a:xfrm>
           <a:prstGeom prst="rect">
             <a:avLst/>
@@ -5324,7 +5324,7 @@
         <p:spPr>
           <a:xfrm>
             <a:off x="504000" y="4058640"/>
-            <a:ext cx="9071640" cy="2090880"/>
+            <a:ext cx="9072000" cy="2090880"/>
           </a:xfrm>
           <a:prstGeom prst="rect">
             <a:avLst/>
@@ -5386,7 +5386,7 @@
         <p:spPr>
           <a:xfrm>
             <a:off x="504000" y="301320"/>
-            <a:ext cx="9071640" cy="1261440"/>
+            <a:ext cx="9072000" cy="1261800"/>
           </a:xfrm>
           <a:prstGeom prst="rect">
             <a:avLst/>
@@ -5395,13 +5395,14 @@
         <p:txBody>
           <a:bodyPr lIns="0" rIns="0" tIns="0" bIns="0" anchor="ctr"/>
           <a:p>
+            <a:pPr algn="ctr"/>
             <a:r>
-              <a:rPr b="0" lang="ru-RU" sz="1800" spc="-1" strike="noStrike">
+              <a:rPr b="0" lang="ru-RU" sz="4400" spc="-1" strike="noStrike">
                 <a:latin typeface="Arial"/>
               </a:rPr>
               <a:t>Для правки текста заглавия щёлкните мышью</a:t>
             </a:r>
-            <a:endParaRPr b="0" lang="ru-RU" sz="1800" spc="-1" strike="noStrike">
+            <a:endParaRPr b="0" lang="ru-RU" sz="4400" spc="-1" strike="noStrike">
               <a:latin typeface="Arial"/>
             </a:endParaRPr>
           </a:p>
@@ -5420,7 +5421,7 @@
         <p:spPr>
           <a:xfrm>
             <a:off x="504000" y="1768680"/>
-            <a:ext cx="9071640" cy="4383720"/>
+            <a:ext cx="9072000" cy="4384080"/>
           </a:xfrm>
           <a:prstGeom prst="rect">
             <a:avLst/>
@@ -5443,12 +5444,12 @@
               <a:buChar char=""/>
             </a:pPr>
             <a:r>
-              <a:rPr b="0" lang="ru-RU" sz="1800" spc="-1" strike="noStrike">
+              <a:rPr b="0" lang="ru-RU" sz="3200" spc="-1" strike="noStrike">
                 <a:latin typeface="Arial"/>
               </a:rPr>
               <a:t>Для правки структуры щёлкните мышью</a:t>
             </a:r>
-            <a:endParaRPr b="0" lang="ru-RU" sz="1800" spc="-1" strike="noStrike">
+            <a:endParaRPr b="0" lang="ru-RU" sz="3200" spc="-1" strike="noStrike">
               <a:latin typeface="Arial"/>
             </a:endParaRPr>
           </a:p>
@@ -5465,12 +5466,12 @@
               <a:buChar char=""/>
             </a:pPr>
             <a:r>
-              <a:rPr b="0" lang="ru-RU" sz="1800" spc="-1" strike="noStrike">
+              <a:rPr b="0" lang="ru-RU" sz="2800" spc="-1" strike="noStrike">
                 <a:latin typeface="Arial"/>
               </a:rPr>
               <a:t>Второй уровень структуры</a:t>
             </a:r>
-            <a:endParaRPr b="0" lang="ru-RU" sz="1800" spc="-1" strike="noStrike">
+            <a:endParaRPr b="0" lang="ru-RU" sz="2800" spc="-1" strike="noStrike">
               <a:latin typeface="Arial"/>
             </a:endParaRPr>
           </a:p>
@@ -5487,12 +5488,12 @@
               <a:buChar char=""/>
             </a:pPr>
             <a:r>
-              <a:rPr b="0" lang="ru-RU" sz="1800" spc="-1" strike="noStrike">
+              <a:rPr b="0" lang="ru-RU" sz="2400" spc="-1" strike="noStrike">
                 <a:latin typeface="Arial"/>
               </a:rPr>
               <a:t>Третий уровень структуры</a:t>
             </a:r>
-            <a:endParaRPr b="0" lang="ru-RU" sz="1800" spc="-1" strike="noStrike">
+            <a:endParaRPr b="0" lang="ru-RU" sz="2400" spc="-1" strike="noStrike">
               <a:latin typeface="Arial"/>
             </a:endParaRPr>
           </a:p>
@@ -5509,12 +5510,12 @@
               <a:buChar char=""/>
             </a:pPr>
             <a:r>
-              <a:rPr b="0" lang="ru-RU" sz="1800" spc="-1" strike="noStrike">
+              <a:rPr b="0" lang="ru-RU" sz="2000" spc="-1" strike="noStrike">
                 <a:latin typeface="Arial"/>
               </a:rPr>
               <a:t>Четвёртый уровень структуры</a:t>
             </a:r>
-            <a:endParaRPr b="0" lang="ru-RU" sz="1800" spc="-1" strike="noStrike">
+            <a:endParaRPr b="0" lang="ru-RU" sz="2000" spc="-1" strike="noStrike">
               <a:latin typeface="Arial"/>
             </a:endParaRPr>
           </a:p>
@@ -5531,12 +5532,12 @@
               <a:buChar char=""/>
             </a:pPr>
             <a:r>
-              <a:rPr b="0" lang="ru-RU" sz="1800" spc="-1" strike="noStrike">
+              <a:rPr b="0" lang="ru-RU" sz="2000" spc="-1" strike="noStrike">
                 <a:latin typeface="Arial"/>
               </a:rPr>
               <a:t>Пятый уровень структуры</a:t>
             </a:r>
-            <a:endParaRPr b="0" lang="ru-RU" sz="1800" spc="-1" strike="noStrike">
+            <a:endParaRPr b="0" lang="ru-RU" sz="2000" spc="-1" strike="noStrike">
               <a:latin typeface="Arial"/>
             </a:endParaRPr>
           </a:p>
@@ -5553,12 +5554,12 @@
               <a:buChar char=""/>
             </a:pPr>
             <a:r>
-              <a:rPr b="0" lang="ru-RU" sz="1800" spc="-1" strike="noStrike">
+              <a:rPr b="0" lang="ru-RU" sz="2000" spc="-1" strike="noStrike">
                 <a:latin typeface="Arial"/>
               </a:rPr>
               <a:t>Шестой уровень структуры</a:t>
             </a:r>
-            <a:endParaRPr b="0" lang="ru-RU" sz="1800" spc="-1" strike="noStrike">
+            <a:endParaRPr b="0" lang="ru-RU" sz="2000" spc="-1" strike="noStrike">
               <a:latin typeface="Arial"/>
             </a:endParaRPr>
           </a:p>
@@ -5575,12 +5576,12 @@
               <a:buChar char=""/>
             </a:pPr>
             <a:r>
-              <a:rPr b="0" lang="ru-RU" sz="1800" spc="-1" strike="noStrike">
+              <a:rPr b="0" lang="ru-RU" sz="2000" spc="-1" strike="noStrike">
                 <a:latin typeface="Arial"/>
               </a:rPr>
               <a:t>Седьмой уровень структуры</a:t>
             </a:r>
-            <a:endParaRPr b="0" lang="ru-RU" sz="1800" spc="-1" strike="noStrike">
+            <a:endParaRPr b="0" lang="ru-RU" sz="2000" spc="-1" strike="noStrike">
               <a:latin typeface="Arial"/>
             </a:endParaRPr>
           </a:p>
@@ -5907,7 +5908,7 @@
         <p:spPr>
           <a:xfrm>
             <a:off x="504000" y="301320"/>
-            <a:ext cx="9071640" cy="1261440"/>
+            <a:ext cx="9072000" cy="1261800"/>
           </a:xfrm>
           <a:prstGeom prst="rect">
             <a:avLst/>
@@ -5916,13 +5917,14 @@
         <p:txBody>
           <a:bodyPr lIns="0" rIns="0" tIns="0" bIns="0" anchor="ctr"/>
           <a:p>
+            <a:pPr algn="ctr"/>
             <a:r>
-              <a:rPr b="0" lang="ru-RU" sz="1800" spc="-1" strike="noStrike">
+              <a:rPr b="0" lang="ru-RU" sz="4400" spc="-1" strike="noStrike">
                 <a:latin typeface="Arial"/>
               </a:rPr>
               <a:t>Для правки текста заглавия щёлкните мышью</a:t>
             </a:r>
-            <a:endParaRPr b="0" lang="ru-RU" sz="1800" spc="-1" strike="noStrike">
+            <a:endParaRPr b="0" lang="ru-RU" sz="4400" spc="-1" strike="noStrike">
               <a:latin typeface="Arial"/>
             </a:endParaRPr>
           </a:p>
@@ -5941,7 +5943,7 @@
         <p:spPr>
           <a:xfrm>
             <a:off x="504000" y="1768680"/>
-            <a:ext cx="9071640" cy="4383720"/>
+            <a:ext cx="9072000" cy="4384080"/>
           </a:xfrm>
           <a:prstGeom prst="rect">
             <a:avLst/>
@@ -5964,12 +5966,12 @@
               <a:buChar char=""/>
             </a:pPr>
             <a:r>
-              <a:rPr b="0" lang="ru-RU" sz="1800" spc="-1" strike="noStrike">
+              <a:rPr b="0" lang="ru-RU" sz="3200" spc="-1" strike="noStrike">
                 <a:latin typeface="Arial"/>
               </a:rPr>
               <a:t>Для правки структуры щёлкните мышью</a:t>
             </a:r>
-            <a:endParaRPr b="0" lang="ru-RU" sz="1800" spc="-1" strike="noStrike">
+            <a:endParaRPr b="0" lang="ru-RU" sz="3200" spc="-1" strike="noStrike">
               <a:latin typeface="Arial"/>
             </a:endParaRPr>
           </a:p>
@@ -5986,12 +5988,12 @@
               <a:buChar char=""/>
             </a:pPr>
             <a:r>
-              <a:rPr b="0" lang="ru-RU" sz="1800" spc="-1" strike="noStrike">
+              <a:rPr b="0" lang="ru-RU" sz="2800" spc="-1" strike="noStrike">
                 <a:latin typeface="Arial"/>
               </a:rPr>
               <a:t>Второй уровень структуры</a:t>
             </a:r>
-            <a:endParaRPr b="0" lang="ru-RU" sz="1800" spc="-1" strike="noStrike">
+            <a:endParaRPr b="0" lang="ru-RU" sz="2800" spc="-1" strike="noStrike">
               <a:latin typeface="Arial"/>
             </a:endParaRPr>
           </a:p>
@@ -6008,12 +6010,12 @@
               <a:buChar char=""/>
             </a:pPr>
             <a:r>
-              <a:rPr b="0" lang="ru-RU" sz="1800" spc="-1" strike="noStrike">
+              <a:rPr b="0" lang="ru-RU" sz="2400" spc="-1" strike="noStrike">
                 <a:latin typeface="Arial"/>
               </a:rPr>
               <a:t>Третий уровень структуры</a:t>
             </a:r>
-            <a:endParaRPr b="0" lang="ru-RU" sz="1800" spc="-1" strike="noStrike">
+            <a:endParaRPr b="0" lang="ru-RU" sz="2400" spc="-1" strike="noStrike">
               <a:latin typeface="Arial"/>
             </a:endParaRPr>
           </a:p>
@@ -6030,12 +6032,12 @@
               <a:buChar char=""/>
             </a:pPr>
             <a:r>
-              <a:rPr b="0" lang="ru-RU" sz="1800" spc="-1" strike="noStrike">
+              <a:rPr b="0" lang="ru-RU" sz="2000" spc="-1" strike="noStrike">
                 <a:latin typeface="Arial"/>
               </a:rPr>
               <a:t>Четвёртый уровень структуры</a:t>
             </a:r>
-            <a:endParaRPr b="0" lang="ru-RU" sz="1800" spc="-1" strike="noStrike">
+            <a:endParaRPr b="0" lang="ru-RU" sz="2000" spc="-1" strike="noStrike">
               <a:latin typeface="Arial"/>
             </a:endParaRPr>
           </a:p>
@@ -6052,12 +6054,12 @@
               <a:buChar char=""/>
             </a:pPr>
             <a:r>
-              <a:rPr b="0" lang="ru-RU" sz="1800" spc="-1" strike="noStrike">
+              <a:rPr b="0" lang="ru-RU" sz="2000" spc="-1" strike="noStrike">
                 <a:latin typeface="Arial"/>
               </a:rPr>
               <a:t>Пятый уровень структуры</a:t>
             </a:r>
-            <a:endParaRPr b="0" lang="ru-RU" sz="1800" spc="-1" strike="noStrike">
+            <a:endParaRPr b="0" lang="ru-RU" sz="2000" spc="-1" strike="noStrike">
               <a:latin typeface="Arial"/>
             </a:endParaRPr>
           </a:p>
@@ -6074,12 +6076,12 @@
               <a:buChar char=""/>
             </a:pPr>
             <a:r>
-              <a:rPr b="0" lang="ru-RU" sz="1800" spc="-1" strike="noStrike">
+              <a:rPr b="0" lang="ru-RU" sz="2000" spc="-1" strike="noStrike">
                 <a:latin typeface="Arial"/>
               </a:rPr>
               <a:t>Шестой уровень структуры</a:t>
             </a:r>
-            <a:endParaRPr b="0" lang="ru-RU" sz="1800" spc="-1" strike="noStrike">
+            <a:endParaRPr b="0" lang="ru-RU" sz="2000" spc="-1" strike="noStrike">
               <a:latin typeface="Arial"/>
             </a:endParaRPr>
           </a:p>
@@ -6096,12 +6098,12 @@
               <a:buChar char=""/>
             </a:pPr>
             <a:r>
-              <a:rPr b="0" lang="ru-RU" sz="1800" spc="-1" strike="noStrike">
+              <a:rPr b="0" lang="ru-RU" sz="2000" spc="-1" strike="noStrike">
                 <a:latin typeface="Arial"/>
               </a:rPr>
               <a:t>Седьмой уровень структуры</a:t>
             </a:r>
-            <a:endParaRPr b="0" lang="ru-RU" sz="1800" spc="-1" strike="noStrike">
+            <a:endParaRPr b="0" lang="ru-RU" sz="2000" spc="-1" strike="noStrike">
               <a:latin typeface="Arial"/>
             </a:endParaRPr>
           </a:p>
@@ -6167,7 +6169,7 @@
         <p:spPr>
           <a:xfrm>
             <a:off x="504000" y="301320"/>
-            <a:ext cx="9071640" cy="1261440"/>
+            <a:ext cx="9072000" cy="1261800"/>
           </a:xfrm>
           <a:prstGeom prst="rect">
             <a:avLst/>
@@ -6176,13 +6178,14 @@
         <p:txBody>
           <a:bodyPr lIns="0" rIns="0" tIns="0" bIns="0" anchor="ctr"/>
           <a:p>
+            <a:pPr algn="ctr"/>
             <a:r>
-              <a:rPr b="0" lang="ru-RU" sz="1800" spc="-1" strike="noStrike">
+              <a:rPr b="0" lang="ru-RU" sz="4400" spc="-1" strike="noStrike">
                 <a:latin typeface="Arial"/>
               </a:rPr>
               <a:t>Для правки текста заглавия щёлкните мышью</a:t>
             </a:r>
-            <a:endParaRPr b="0" lang="ru-RU" sz="1800" spc="-1" strike="noStrike">
+            <a:endParaRPr b="0" lang="ru-RU" sz="4400" spc="-1" strike="noStrike">
               <a:latin typeface="Arial"/>
             </a:endParaRPr>
           </a:p>
@@ -6201,7 +6204,7 @@
         <p:spPr>
           <a:xfrm>
             <a:off x="504000" y="1768680"/>
-            <a:ext cx="9071640" cy="4383720"/>
+            <a:ext cx="9072000" cy="4384080"/>
           </a:xfrm>
           <a:prstGeom prst="rect">
             <a:avLst/>
@@ -6224,12 +6227,12 @@
               <a:buChar char=""/>
             </a:pPr>
             <a:r>
-              <a:rPr b="0" lang="ru-RU" sz="1800" spc="-1" strike="noStrike">
+              <a:rPr b="0" lang="ru-RU" sz="3200" spc="-1" strike="noStrike">
                 <a:latin typeface="Arial"/>
               </a:rPr>
               <a:t>Для правки структуры щёлкните мышью</a:t>
             </a:r>
-            <a:endParaRPr b="0" lang="ru-RU" sz="1800" spc="-1" strike="noStrike">
+            <a:endParaRPr b="0" lang="ru-RU" sz="3200" spc="-1" strike="noStrike">
               <a:latin typeface="Arial"/>
             </a:endParaRPr>
           </a:p>
@@ -6246,12 +6249,12 @@
               <a:buChar char=""/>
             </a:pPr>
             <a:r>
-              <a:rPr b="0" lang="ru-RU" sz="1800" spc="-1" strike="noStrike">
+              <a:rPr b="0" lang="ru-RU" sz="2800" spc="-1" strike="noStrike">
                 <a:latin typeface="Arial"/>
               </a:rPr>
               <a:t>Второй уровень структуры</a:t>
             </a:r>
-            <a:endParaRPr b="0" lang="ru-RU" sz="1800" spc="-1" strike="noStrike">
+            <a:endParaRPr b="0" lang="ru-RU" sz="2800" spc="-1" strike="noStrike">
               <a:latin typeface="Arial"/>
             </a:endParaRPr>
           </a:p>
@@ -6268,12 +6271,12 @@
               <a:buChar char=""/>
             </a:pPr>
             <a:r>
-              <a:rPr b="0" lang="ru-RU" sz="1800" spc="-1" strike="noStrike">
+              <a:rPr b="0" lang="ru-RU" sz="2400" spc="-1" strike="noStrike">
                 <a:latin typeface="Arial"/>
               </a:rPr>
               <a:t>Третий уровень структуры</a:t>
             </a:r>
-            <a:endParaRPr b="0" lang="ru-RU" sz="1800" spc="-1" strike="noStrike">
+            <a:endParaRPr b="0" lang="ru-RU" sz="2400" spc="-1" strike="noStrike">
               <a:latin typeface="Arial"/>
             </a:endParaRPr>
           </a:p>
@@ -6290,12 +6293,12 @@
               <a:buChar char=""/>
             </a:pPr>
             <a:r>
-              <a:rPr b="0" lang="ru-RU" sz="1800" spc="-1" strike="noStrike">
+              <a:rPr b="0" lang="ru-RU" sz="2000" spc="-1" strike="noStrike">
                 <a:latin typeface="Arial"/>
               </a:rPr>
               <a:t>Четвёртый уровень структуры</a:t>
             </a:r>
-            <a:endParaRPr b="0" lang="ru-RU" sz="1800" spc="-1" strike="noStrike">
+            <a:endParaRPr b="0" lang="ru-RU" sz="2000" spc="-1" strike="noStrike">
               <a:latin typeface="Arial"/>
             </a:endParaRPr>
           </a:p>
@@ -6312,12 +6315,12 @@
               <a:buChar char=""/>
             </a:pPr>
             <a:r>
-              <a:rPr b="0" lang="ru-RU" sz="1800" spc="-1" strike="noStrike">
+              <a:rPr b="0" lang="ru-RU" sz="2000" spc="-1" strike="noStrike">
                 <a:latin typeface="Arial"/>
               </a:rPr>
               <a:t>Пятый уровень структуры</a:t>
             </a:r>
-            <a:endParaRPr b="0" lang="ru-RU" sz="1800" spc="-1" strike="noStrike">
+            <a:endParaRPr b="0" lang="ru-RU" sz="2000" spc="-1" strike="noStrike">
               <a:latin typeface="Arial"/>
             </a:endParaRPr>
           </a:p>
@@ -6334,12 +6337,12 @@
               <a:buChar char=""/>
             </a:pPr>
             <a:r>
-              <a:rPr b="0" lang="ru-RU" sz="1800" spc="-1" strike="noStrike">
+              <a:rPr b="0" lang="ru-RU" sz="2000" spc="-1" strike="noStrike">
                 <a:latin typeface="Arial"/>
               </a:rPr>
               <a:t>Шестой уровень структуры</a:t>
             </a:r>
-            <a:endParaRPr b="0" lang="ru-RU" sz="1800" spc="-1" strike="noStrike">
+            <a:endParaRPr b="0" lang="ru-RU" sz="2000" spc="-1" strike="noStrike">
               <a:latin typeface="Arial"/>
             </a:endParaRPr>
           </a:p>
@@ -6356,12 +6359,12 @@
               <a:buChar char=""/>
             </a:pPr>
             <a:r>
-              <a:rPr b="0" lang="ru-RU" sz="1800" spc="-1" strike="noStrike">
+              <a:rPr b="0" lang="ru-RU" sz="2000" spc="-1" strike="noStrike">
                 <a:latin typeface="Arial"/>
               </a:rPr>
               <a:t>Седьмой уровень структуры</a:t>
             </a:r>
-            <a:endParaRPr b="0" lang="ru-RU" sz="1800" spc="-1" strike="noStrike">
+            <a:endParaRPr b="0" lang="ru-RU" sz="2000" spc="-1" strike="noStrike">
               <a:latin typeface="Arial"/>
             </a:endParaRPr>
           </a:p>
@@ -6413,7 +6416,7 @@
         <p:spPr>
           <a:xfrm>
             <a:off x="504000" y="1080000"/>
-            <a:ext cx="9070920" cy="1727280"/>
+            <a:ext cx="9070560" cy="1726920"/>
           </a:xfrm>
           <a:prstGeom prst="rect">
             <a:avLst/>
@@ -6445,7 +6448,7 @@
                 <a:latin typeface="Arial"/>
                 <a:ea typeface="DejaVu Sans"/>
               </a:rPr>
-              <a:t>Super Mario </a:t>
+              <a:t>Мой СуперСантехник </a:t>
             </a:r>
             <a:endParaRPr b="0" lang="ru-RU" sz="5859" spc="-1" strike="noStrike">
               <a:latin typeface="Arial"/>
@@ -6462,7 +6465,7 @@
         <p:spPr>
           <a:xfrm>
             <a:off x="504000" y="3168000"/>
-            <a:ext cx="9070920" cy="3671280"/>
+            <a:ext cx="9070560" cy="3670920"/>
           </a:xfrm>
           <a:prstGeom prst="rect">
             <a:avLst/>
@@ -6568,7 +6571,7 @@
         <p:spPr>
           <a:xfrm>
             <a:off x="504000" y="301320"/>
-            <a:ext cx="9070920" cy="1261440"/>
+            <a:ext cx="9070560" cy="1261080"/>
           </a:xfrm>
           <a:prstGeom prst="rect">
             <a:avLst/>
@@ -6617,7 +6620,7 @@
         <p:spPr>
           <a:xfrm>
             <a:off x="504000" y="1769040"/>
-            <a:ext cx="9070920" cy="4383720"/>
+            <a:ext cx="9070560" cy="4383360"/>
           </a:xfrm>
           <a:prstGeom prst="rect">
             <a:avLst/>
@@ -6728,7 +6731,7 @@
         <p:spPr>
           <a:xfrm>
             <a:off x="504000" y="1080000"/>
-            <a:ext cx="9070920" cy="1727280"/>
+            <a:ext cx="9070560" cy="1726920"/>
           </a:xfrm>
           <a:prstGeom prst="rect">
             <a:avLst/>
@@ -6754,7 +6757,11 @@
             </a:pPr>
             <a:r>
               <a:rPr b="0" lang="ru-RU" sz="4400" spc="-1" strike="noStrike">
+                <a:solidFill>
+                  <a:srgbClr val="000000"/>
+                </a:solidFill>
                 <a:latin typeface="Arial"/>
+                <a:ea typeface="DejaVu Sans"/>
               </a:rPr>
               <a:t>Реализация</a:t>
             </a:r>
@@ -6773,7 +6780,7 @@
         <p:spPr>
           <a:xfrm>
             <a:off x="504000" y="3168000"/>
-            <a:ext cx="9070920" cy="3671280"/>
+            <a:ext cx="9070560" cy="3670920"/>
           </a:xfrm>
           <a:prstGeom prst="rect">
             <a:avLst/>
@@ -6794,26 +6801,20 @@
             <a:normAutofit/>
           </a:bodyPr>
           <a:p>
-            <a:pPr marL="432000" indent="-323640">
+            <a:pPr>
               <a:lnSpc>
                 <a:spcPct val="100000"/>
               </a:lnSpc>
               <a:spcBef>
                 <a:spcPts val="1417"/>
               </a:spcBef>
-              <a:buClr>
-                <a:srgbClr val="000000"/>
-              </a:buClr>
-              <a:buSzPct val="45000"/>
-              <a:buFont typeface="Wingdings" charset="2"/>
-              <a:buChar char=""/>
             </a:pPr>
             <a:endParaRPr b="0" lang="ru-RU" sz="1800" spc="-1" strike="noStrike">
               <a:latin typeface="Arial"/>
             </a:endParaRPr>
           </a:p>
           <a:p>
-            <a:pPr marL="432000" indent="-323640">
+            <a:pPr marL="432000" indent="-323280">
               <a:lnSpc>
                 <a:spcPct val="100000"/>
               </a:lnSpc>
@@ -6829,7 +6830,11 @@
             </a:pPr>
             <a:r>
               <a:rPr b="0" lang="ru-RU" sz="3200" spc="-1" strike="noStrike">
+                <a:solidFill>
+                  <a:srgbClr val="000000"/>
+                </a:solidFill>
                 <a:latin typeface="Arial"/>
+                <a:ea typeface="DejaVu Sans"/>
               </a:rPr>
               <a:t>В игре есть одна главная функция — спасти принцессу, мать её.</a:t>
             </a:r>
@@ -6838,7 +6843,7 @@
             </a:endParaRPr>
           </a:p>
           <a:p>
-            <a:pPr marL="432000" indent="-323640">
+            <a:pPr marL="432000" indent="-323280">
               <a:lnSpc>
                 <a:spcPct val="100000"/>
               </a:lnSpc>
@@ -6854,7 +6859,11 @@
             </a:pPr>
             <a:r>
               <a:rPr b="0" lang="ru-RU" sz="3200" spc="-1" strike="noStrike">
+                <a:solidFill>
+                  <a:srgbClr val="000000"/>
+                </a:solidFill>
                 <a:latin typeface="Arial"/>
+                <a:ea typeface="DejaVu Sans"/>
               </a:rPr>
               <a:t>В приложении используется библиотека pyganim.</a:t>
             </a:r>
@@ -6930,7 +6939,7 @@
         <p:spPr>
           <a:xfrm>
             <a:off x="504000" y="301320"/>
-            <a:ext cx="9071640" cy="1261440"/>
+            <a:ext cx="9071280" cy="1261080"/>
           </a:xfrm>
           <a:prstGeom prst="rect">
             <a:avLst/>
@@ -6960,6 +6969,7 @@
                   <a:srgbClr val="ffffff"/>
                 </a:solidFill>
                 <a:latin typeface="Arial"/>
+                <a:ea typeface="DejaVu Sans"/>
               </a:rPr>
               <a:t>Вывод</a:t>
             </a:r>
@@ -6978,7 +6988,7 @@
         <p:spPr>
           <a:xfrm>
             <a:off x="504360" y="1952280"/>
-            <a:ext cx="9071640" cy="4383720"/>
+            <a:ext cx="9071280" cy="4383360"/>
           </a:xfrm>
           <a:prstGeom prst="rect">
             <a:avLst/>
@@ -6999,7 +7009,7 @@
             <a:normAutofit/>
           </a:bodyPr>
           <a:p>
-            <a:pPr marL="216000" indent="-215640">
+            <a:pPr marL="216000" indent="-215280">
               <a:lnSpc>
                 <a:spcPct val="100000"/>
               </a:lnSpc>
@@ -7019,6 +7029,7 @@
                   <a:srgbClr val="ffffff"/>
                 </a:solidFill>
                 <a:latin typeface="Arial"/>
+                <a:ea typeface="DejaVu Sans"/>
               </a:rPr>
               <a:t>Программу можно доработать:</a:t>
             </a:r>
@@ -7027,7 +7038,7 @@
             </a:endParaRPr>
           </a:p>
           <a:p>
-            <a:pPr marL="216000" indent="-215640">
+            <a:pPr marL="216000" indent="-215280">
               <a:lnSpc>
                 <a:spcPct val="100000"/>
               </a:lnSpc>
@@ -7047,6 +7058,7 @@
                   <a:srgbClr val="ffffff"/>
                 </a:solidFill>
                 <a:latin typeface="Arial"/>
+                <a:ea typeface="DejaVu Sans"/>
               </a:rPr>
               <a:t>Сделать редактор уровней</a:t>
             </a:r>
@@ -7055,7 +7067,7 @@
             </a:endParaRPr>
           </a:p>
           <a:p>
-            <a:pPr marL="216000" indent="-215640">
+            <a:pPr marL="216000" indent="-215280">
               <a:lnSpc>
                 <a:spcPct val="100000"/>
               </a:lnSpc>
@@ -7075,6 +7087,7 @@
                   <a:srgbClr val="ffffff"/>
                 </a:solidFill>
                 <a:latin typeface="Arial"/>
+                <a:ea typeface="DejaVu Sans"/>
               </a:rPr>
               <a:t>Перестать воровать идеи у нинтендо (нет)</a:t>
             </a:r>
